--- a/slides/day_1/2_regression.pptx
+++ b/slides/day_1/2_regression.pptx
@@ -213,7 +213,7 @@
           <a:p>
             <a:fld id="{B8AA53F8-D549-4BCE-B564-8781C50B17EE}" type="datetimeFigureOut">
               <a:rPr lang="en-GB" smtClean="0"/>
-              <a:t>24/02/2026</a:t>
+              <a:t>01/03/2026</a:t>
             </a:fld>
             <a:endParaRPr lang="en-GB"/>
           </a:p>
@@ -1959,7 +1959,7 @@
           <a:p>
             <a:fld id="{A1E18CBC-0603-47A6-97E2-86255A82367C}" type="datetimeFigureOut">
               <a:rPr lang="en-GB" smtClean="0"/>
-              <a:t>24/02/2026</a:t>
+              <a:t>01/03/2026</a:t>
             </a:fld>
             <a:endParaRPr lang="en-GB"/>
           </a:p>
@@ -2129,7 +2129,7 @@
           <a:p>
             <a:fld id="{A1E18CBC-0603-47A6-97E2-86255A82367C}" type="datetimeFigureOut">
               <a:rPr lang="en-GB" smtClean="0"/>
-              <a:t>24/02/2026</a:t>
+              <a:t>01/03/2026</a:t>
             </a:fld>
             <a:endParaRPr lang="en-GB"/>
           </a:p>
@@ -2309,7 +2309,7 @@
           <a:p>
             <a:fld id="{A1E18CBC-0603-47A6-97E2-86255A82367C}" type="datetimeFigureOut">
               <a:rPr lang="en-GB" smtClean="0"/>
-              <a:t>24/02/2026</a:t>
+              <a:t>01/03/2026</a:t>
             </a:fld>
             <a:endParaRPr lang="en-GB"/>
           </a:p>
@@ -2479,7 +2479,7 @@
           <a:p>
             <a:fld id="{A1E18CBC-0603-47A6-97E2-86255A82367C}" type="datetimeFigureOut">
               <a:rPr lang="en-GB" smtClean="0"/>
-              <a:t>24/02/2026</a:t>
+              <a:t>01/03/2026</a:t>
             </a:fld>
             <a:endParaRPr lang="en-GB"/>
           </a:p>
@@ -2725,7 +2725,7 @@
           <a:p>
             <a:fld id="{A1E18CBC-0603-47A6-97E2-86255A82367C}" type="datetimeFigureOut">
               <a:rPr lang="en-GB" smtClean="0"/>
-              <a:t>24/02/2026</a:t>
+              <a:t>01/03/2026</a:t>
             </a:fld>
             <a:endParaRPr lang="en-GB"/>
           </a:p>
@@ -2957,7 +2957,7 @@
           <a:p>
             <a:fld id="{A1E18CBC-0603-47A6-97E2-86255A82367C}" type="datetimeFigureOut">
               <a:rPr lang="en-GB" smtClean="0"/>
-              <a:t>24/02/2026</a:t>
+              <a:t>01/03/2026</a:t>
             </a:fld>
             <a:endParaRPr lang="en-GB"/>
           </a:p>
@@ -3324,7 +3324,7 @@
           <a:p>
             <a:fld id="{A1E18CBC-0603-47A6-97E2-86255A82367C}" type="datetimeFigureOut">
               <a:rPr lang="en-GB" smtClean="0"/>
-              <a:t>24/02/2026</a:t>
+              <a:t>01/03/2026</a:t>
             </a:fld>
             <a:endParaRPr lang="en-GB"/>
           </a:p>
@@ -3442,7 +3442,7 @@
           <a:p>
             <a:fld id="{A1E18CBC-0603-47A6-97E2-86255A82367C}" type="datetimeFigureOut">
               <a:rPr lang="en-GB" smtClean="0"/>
-              <a:t>24/02/2026</a:t>
+              <a:t>01/03/2026</a:t>
             </a:fld>
             <a:endParaRPr lang="en-GB"/>
           </a:p>
@@ -3537,7 +3537,7 @@
           <a:p>
             <a:fld id="{A1E18CBC-0603-47A6-97E2-86255A82367C}" type="datetimeFigureOut">
               <a:rPr lang="en-GB" smtClean="0"/>
-              <a:t>24/02/2026</a:t>
+              <a:t>01/03/2026</a:t>
             </a:fld>
             <a:endParaRPr lang="en-GB"/>
           </a:p>
@@ -3814,7 +3814,7 @@
           <a:p>
             <a:fld id="{A1E18CBC-0603-47A6-97E2-86255A82367C}" type="datetimeFigureOut">
               <a:rPr lang="en-GB" smtClean="0"/>
-              <a:t>24/02/2026</a:t>
+              <a:t>01/03/2026</a:t>
             </a:fld>
             <a:endParaRPr lang="en-GB"/>
           </a:p>
@@ -4067,7 +4067,7 @@
           <a:p>
             <a:fld id="{A1E18CBC-0603-47A6-97E2-86255A82367C}" type="datetimeFigureOut">
               <a:rPr lang="en-GB" smtClean="0"/>
-              <a:t>24/02/2026</a:t>
+              <a:t>01/03/2026</a:t>
             </a:fld>
             <a:endParaRPr lang="en-GB"/>
           </a:p>
@@ -4280,7 +4280,7 @@
           <a:p>
             <a:fld id="{A1E18CBC-0603-47A6-97E2-86255A82367C}" type="datetimeFigureOut">
               <a:rPr lang="en-GB" smtClean="0"/>
-              <a:t>24/02/2026</a:t>
+              <a:t>01/03/2026</a:t>
             </a:fld>
             <a:endParaRPr lang="en-GB"/>
           </a:p>
